--- a/media/WFI32-Curiosity_J207.pptx
+++ b/media/WFI32-Curiosity_J207.pptx
@@ -259,7 +259,7 @@
           <a:p>
             <a:fld id="{5E5DD6A7-C01F-874D-8F0A-96B42F5316C1}" type="datetimeFigureOut">
               <a:rPr lang="en-US" smtClean="0"/>
-              <a:t>12/26/22</a:t>
+              <a:t>1/29/23</a:t>
             </a:fld>
             <a:endParaRPr lang="en-US"/>
           </a:p>
@@ -457,7 +457,7 @@
           <a:p>
             <a:fld id="{5E5DD6A7-C01F-874D-8F0A-96B42F5316C1}" type="datetimeFigureOut">
               <a:rPr lang="en-US" smtClean="0"/>
-              <a:t>12/26/22</a:t>
+              <a:t>1/29/23</a:t>
             </a:fld>
             <a:endParaRPr lang="en-US"/>
           </a:p>
@@ -665,7 +665,7 @@
           <a:p>
             <a:fld id="{5E5DD6A7-C01F-874D-8F0A-96B42F5316C1}" type="datetimeFigureOut">
               <a:rPr lang="en-US" smtClean="0"/>
-              <a:t>12/26/22</a:t>
+              <a:t>1/29/23</a:t>
             </a:fld>
             <a:endParaRPr lang="en-US"/>
           </a:p>
@@ -863,7 +863,7 @@
           <a:p>
             <a:fld id="{5E5DD6A7-C01F-874D-8F0A-96B42F5316C1}" type="datetimeFigureOut">
               <a:rPr lang="en-US" smtClean="0"/>
-              <a:t>12/26/22</a:t>
+              <a:t>1/29/23</a:t>
             </a:fld>
             <a:endParaRPr lang="en-US"/>
           </a:p>
@@ -1138,7 +1138,7 @@
           <a:p>
             <a:fld id="{5E5DD6A7-C01F-874D-8F0A-96B42F5316C1}" type="datetimeFigureOut">
               <a:rPr lang="en-US" smtClean="0"/>
-              <a:t>12/26/22</a:t>
+              <a:t>1/29/23</a:t>
             </a:fld>
             <a:endParaRPr lang="en-US"/>
           </a:p>
@@ -1403,7 +1403,7 @@
           <a:p>
             <a:fld id="{5E5DD6A7-C01F-874D-8F0A-96B42F5316C1}" type="datetimeFigureOut">
               <a:rPr lang="en-US" smtClean="0"/>
-              <a:t>12/26/22</a:t>
+              <a:t>1/29/23</a:t>
             </a:fld>
             <a:endParaRPr lang="en-US"/>
           </a:p>
@@ -1815,7 +1815,7 @@
           <a:p>
             <a:fld id="{5E5DD6A7-C01F-874D-8F0A-96B42F5316C1}" type="datetimeFigureOut">
               <a:rPr lang="en-US" smtClean="0"/>
-              <a:t>12/26/22</a:t>
+              <a:t>1/29/23</a:t>
             </a:fld>
             <a:endParaRPr lang="en-US"/>
           </a:p>
@@ -1956,7 +1956,7 @@
           <a:p>
             <a:fld id="{5E5DD6A7-C01F-874D-8F0A-96B42F5316C1}" type="datetimeFigureOut">
               <a:rPr lang="en-US" smtClean="0"/>
-              <a:t>12/26/22</a:t>
+              <a:t>1/29/23</a:t>
             </a:fld>
             <a:endParaRPr lang="en-US"/>
           </a:p>
@@ -2069,7 +2069,7 @@
           <a:p>
             <a:fld id="{5E5DD6A7-C01F-874D-8F0A-96B42F5316C1}" type="datetimeFigureOut">
               <a:rPr lang="en-US" smtClean="0"/>
-              <a:t>12/26/22</a:t>
+              <a:t>1/29/23</a:t>
             </a:fld>
             <a:endParaRPr lang="en-US"/>
           </a:p>
@@ -2380,7 +2380,7 @@
           <a:p>
             <a:fld id="{5E5DD6A7-C01F-874D-8F0A-96B42F5316C1}" type="datetimeFigureOut">
               <a:rPr lang="en-US" smtClean="0"/>
-              <a:t>12/26/22</a:t>
+              <a:t>1/29/23</a:t>
             </a:fld>
             <a:endParaRPr lang="en-US"/>
           </a:p>
@@ -2668,7 +2668,7 @@
           <a:p>
             <a:fld id="{5E5DD6A7-C01F-874D-8F0A-96B42F5316C1}" type="datetimeFigureOut">
               <a:rPr lang="en-US" smtClean="0"/>
-              <a:t>12/26/22</a:t>
+              <a:t>1/29/23</a:t>
             </a:fld>
             <a:endParaRPr lang="en-US"/>
           </a:p>
@@ -2909,7 +2909,7 @@
           <a:p>
             <a:fld id="{5E5DD6A7-C01F-874D-8F0A-96B42F5316C1}" type="datetimeFigureOut">
               <a:rPr lang="en-US" smtClean="0"/>
-              <a:t>12/26/22</a:t>
+              <a:t>1/29/23</a:t>
             </a:fld>
             <a:endParaRPr lang="en-US"/>
           </a:p>
@@ -3340,8 +3340,8 @@
         </p:nvSpPr>
         <p:spPr>
           <a:xfrm>
-            <a:off x="2360140" y="3060429"/>
-            <a:ext cx="2458995" cy="3483847"/>
+            <a:off x="2360140" y="2680139"/>
+            <a:ext cx="2458995" cy="3864138"/>
           </a:xfrm>
           <a:prstGeom prst="rect">
             <a:avLst/>
@@ -3795,6 +3795,140 @@
               <a:rPr lang="en-US" dirty="0"/>
               <a:t>RX</a:t>
             </a:r>
+          </a:p>
+        </p:txBody>
+      </p:sp>
+      <p:sp>
+        <p:nvSpPr>
+          <p:cNvPr id="2" name="Left-Right Arrow 1">
+            <a:extLst>
+              <a:ext uri="{FF2B5EF4-FFF2-40B4-BE49-F238E27FC236}">
+                <a16:creationId xmlns:a16="http://schemas.microsoft.com/office/drawing/2014/main" id="{FA7745C1-C754-004D-8ABC-BD3F865C2F48}"/>
+              </a:ext>
+            </a:extLst>
+          </p:cNvPr>
+          <p:cNvSpPr/>
+          <p:nvPr/>
+        </p:nvSpPr>
+        <p:spPr>
+          <a:xfrm>
+            <a:off x="4829431" y="2867458"/>
+            <a:ext cx="741404" cy="294290"/>
+          </a:xfrm>
+          <a:prstGeom prst="leftRightArrow">
+            <a:avLst/>
+          </a:prstGeom>
+        </p:spPr>
+        <p:style>
+          <a:lnRef idx="2">
+            <a:schemeClr val="accent1">
+              <a:shade val="50000"/>
+            </a:schemeClr>
+          </a:lnRef>
+          <a:fillRef idx="1">
+            <a:schemeClr val="accent1"/>
+          </a:fillRef>
+          <a:effectRef idx="0">
+            <a:schemeClr val="accent1"/>
+          </a:effectRef>
+          <a:fontRef idx="minor">
+            <a:schemeClr val="lt1"/>
+          </a:fontRef>
+        </p:style>
+        <p:txBody>
+          <a:bodyPr rtlCol="0" anchor="ctr"/>
+          <a:lstStyle/>
+          <a:p>
+            <a:pPr algn="ctr"/>
+            <a:endParaRPr lang="en-US"/>
+          </a:p>
+        </p:txBody>
+      </p:sp>
+      <p:sp>
+        <p:nvSpPr>
+          <p:cNvPr id="3" name="TextBox 2">
+            <a:extLst>
+              <a:ext uri="{FF2B5EF4-FFF2-40B4-BE49-F238E27FC236}">
+                <a16:creationId xmlns:a16="http://schemas.microsoft.com/office/drawing/2014/main" id="{B6532E35-CDFD-E113-C725-C1EC1C3266EA}"/>
+              </a:ext>
+            </a:extLst>
+          </p:cNvPr>
+          <p:cNvSpPr txBox="1"/>
+          <p:nvPr/>
+        </p:nvSpPr>
+        <p:spPr>
+          <a:xfrm>
+            <a:off x="4209465" y="2816167"/>
+            <a:ext cx="619966" cy="369332"/>
+          </a:xfrm>
+          <a:prstGeom prst="rect">
+            <a:avLst/>
+          </a:prstGeom>
+          <a:noFill/>
+        </p:spPr>
+        <p:txBody>
+          <a:bodyPr wrap="square" rtlCol="0">
+            <a:spAutoFit/>
+          </a:bodyPr>
+          <a:lstStyle/>
+          <a:p>
+            <a:pPr algn="r"/>
+            <a:r>
+              <a:rPr lang="en-US" dirty="0"/>
+              <a:t>GND</a:t>
+            </a:r>
+          </a:p>
+        </p:txBody>
+      </p:sp>
+      <p:sp>
+        <p:nvSpPr>
+          <p:cNvPr id="4" name="Oval 3">
+            <a:extLst>
+              <a:ext uri="{FF2B5EF4-FFF2-40B4-BE49-F238E27FC236}">
+                <a16:creationId xmlns:a16="http://schemas.microsoft.com/office/drawing/2014/main" id="{702E8439-B58A-0B5D-000D-3502A390A7E9}"/>
+              </a:ext>
+            </a:extLst>
+          </p:cNvPr>
+          <p:cNvSpPr/>
+          <p:nvPr/>
+        </p:nvSpPr>
+        <p:spPr>
+          <a:xfrm>
+            <a:off x="5513173" y="2892635"/>
+            <a:ext cx="1390491" cy="256770"/>
+          </a:xfrm>
+          <a:prstGeom prst="ellipse">
+            <a:avLst/>
+          </a:prstGeom>
+          <a:noFill/>
+          <a:ln w="22225">
+            <a:solidFill>
+              <a:srgbClr val="92D050"/>
+            </a:solidFill>
+          </a:ln>
+        </p:spPr>
+        <p:style>
+          <a:lnRef idx="2">
+            <a:schemeClr val="accent1">
+              <a:shade val="50000"/>
+            </a:schemeClr>
+          </a:lnRef>
+          <a:fillRef idx="1">
+            <a:schemeClr val="accent1"/>
+          </a:fillRef>
+          <a:effectRef idx="0">
+            <a:schemeClr val="accent1"/>
+          </a:effectRef>
+          <a:fontRef idx="minor">
+            <a:schemeClr val="lt1"/>
+          </a:fontRef>
+        </p:style>
+        <p:txBody>
+          <a:bodyPr rtlCol="0" anchor="ctr"/>
+          <a:lstStyle/>
+          <a:p>
+            <a:pPr algn="ctr"/>
+            <a:endParaRPr lang="en-US"/>
           </a:p>
         </p:txBody>
       </p:sp>

--- a/media/WFI32-Curiosity_J207.pptx
+++ b/media/WFI32-Curiosity_J207.pptx
@@ -4,6 +4,9 @@
   <p:sldMasterIdLst>
     <p:sldMasterId id="2147483648" r:id="rId1"/>
   </p:sldMasterIdLst>
+  <p:notesMasterIdLst>
+    <p:notesMasterId r:id="rId3"/>
+  </p:notesMasterIdLst>
   <p:sldIdLst>
     <p:sldId id="256" r:id="rId2"/>
   </p:sldIdLst>
@@ -112,6 +115,439 @@
 </p:presentation>
 </file>
 
+<file path=ppt/notesMasters/notesMaster1.xml><?xml version="1.0" encoding="utf-8"?>
+<p:notesMaster xmlns:a="http://schemas.openxmlformats.org/drawingml/2006/main" xmlns:r="http://schemas.openxmlformats.org/officeDocument/2006/relationships" xmlns:p="http://schemas.openxmlformats.org/presentationml/2006/main">
+  <p:cSld>
+    <p:bg>
+      <p:bgRef idx="1001">
+        <a:schemeClr val="bg1"/>
+      </p:bgRef>
+    </p:bg>
+    <p:spTree>
+      <p:nvGrpSpPr>
+        <p:cNvPr id="1" name=""/>
+        <p:cNvGrpSpPr/>
+        <p:nvPr/>
+      </p:nvGrpSpPr>
+      <p:grpSpPr>
+        <a:xfrm>
+          <a:off x="0" y="0"/>
+          <a:ext cx="0" cy="0"/>
+          <a:chOff x="0" y="0"/>
+          <a:chExt cx="0" cy="0"/>
+        </a:xfrm>
+      </p:grpSpPr>
+      <p:sp>
+        <p:nvSpPr>
+          <p:cNvPr id="2" name="Header Placeholder 1"/>
+          <p:cNvSpPr>
+            <a:spLocks noGrp="1"/>
+          </p:cNvSpPr>
+          <p:nvPr>
+            <p:ph type="hdr" sz="quarter"/>
+          </p:nvPr>
+        </p:nvSpPr>
+        <p:spPr>
+          <a:xfrm>
+            <a:off x="0" y="0"/>
+            <a:ext cx="2971800" cy="458788"/>
+          </a:xfrm>
+          <a:prstGeom prst="rect">
+            <a:avLst/>
+          </a:prstGeom>
+        </p:spPr>
+        <p:txBody>
+          <a:bodyPr vert="horz" lIns="91440" tIns="45720" rIns="91440" bIns="45720" rtlCol="0"/>
+          <a:lstStyle>
+            <a:lvl1pPr algn="l">
+              <a:defRPr sz="1200"/>
+            </a:lvl1pPr>
+          </a:lstStyle>
+          <a:p>
+            <a:endParaRPr lang="en-US"/>
+          </a:p>
+        </p:txBody>
+      </p:sp>
+      <p:sp>
+        <p:nvSpPr>
+          <p:cNvPr id="3" name="Date Placeholder 2"/>
+          <p:cNvSpPr>
+            <a:spLocks noGrp="1"/>
+          </p:cNvSpPr>
+          <p:nvPr>
+            <p:ph type="dt" idx="1"/>
+          </p:nvPr>
+        </p:nvSpPr>
+        <p:spPr>
+          <a:xfrm>
+            <a:off x="3884613" y="0"/>
+            <a:ext cx="2971800" cy="458788"/>
+          </a:xfrm>
+          <a:prstGeom prst="rect">
+            <a:avLst/>
+          </a:prstGeom>
+        </p:spPr>
+        <p:txBody>
+          <a:bodyPr vert="horz" lIns="91440" tIns="45720" rIns="91440" bIns="45720" rtlCol="0"/>
+          <a:lstStyle>
+            <a:lvl1pPr algn="r">
+              <a:defRPr sz="1200"/>
+            </a:lvl1pPr>
+          </a:lstStyle>
+          <a:p>
+            <a:fld id="{22EF2BA6-F107-674A-9910-770D04C7C28E}" type="datetimeFigureOut">
+              <a:rPr lang="en-US" smtClean="0"/>
+              <a:t>2/22/23</a:t>
+            </a:fld>
+            <a:endParaRPr lang="en-US"/>
+          </a:p>
+        </p:txBody>
+      </p:sp>
+      <p:sp>
+        <p:nvSpPr>
+          <p:cNvPr id="4" name="Slide Image Placeholder 3"/>
+          <p:cNvSpPr>
+            <a:spLocks noGrp="1" noRot="1" noChangeAspect="1"/>
+          </p:cNvSpPr>
+          <p:nvPr>
+            <p:ph type="sldImg" idx="2"/>
+          </p:nvPr>
+        </p:nvSpPr>
+        <p:spPr>
+          <a:xfrm>
+            <a:off x="685800" y="1143000"/>
+            <a:ext cx="5486400" cy="3086100"/>
+          </a:xfrm>
+          <a:prstGeom prst="rect">
+            <a:avLst/>
+          </a:prstGeom>
+          <a:noFill/>
+          <a:ln w="12700">
+            <a:solidFill>
+              <a:prstClr val="black"/>
+            </a:solidFill>
+          </a:ln>
+        </p:spPr>
+        <p:txBody>
+          <a:bodyPr vert="horz" lIns="91440" tIns="45720" rIns="91440" bIns="45720" rtlCol="0" anchor="ctr"/>
+          <a:lstStyle/>
+          <a:p>
+            <a:endParaRPr lang="en-US"/>
+          </a:p>
+        </p:txBody>
+      </p:sp>
+      <p:sp>
+        <p:nvSpPr>
+          <p:cNvPr id="5" name="Notes Placeholder 4"/>
+          <p:cNvSpPr>
+            <a:spLocks noGrp="1"/>
+          </p:cNvSpPr>
+          <p:nvPr>
+            <p:ph type="body" sz="quarter" idx="3"/>
+          </p:nvPr>
+        </p:nvSpPr>
+        <p:spPr>
+          <a:xfrm>
+            <a:off x="685800" y="4400550"/>
+            <a:ext cx="5486400" cy="3600450"/>
+          </a:xfrm>
+          <a:prstGeom prst="rect">
+            <a:avLst/>
+          </a:prstGeom>
+        </p:spPr>
+        <p:txBody>
+          <a:bodyPr vert="horz" lIns="91440" tIns="45720" rIns="91440" bIns="45720" rtlCol="0"/>
+          <a:lstStyle/>
+          <a:p>
+            <a:pPr lvl="0"/>
+            <a:r>
+              <a:rPr lang="en-US"/>
+              <a:t>Click to edit Master text styles</a:t>
+            </a:r>
+          </a:p>
+          <a:p>
+            <a:pPr lvl="1"/>
+            <a:r>
+              <a:rPr lang="en-US"/>
+              <a:t>Second level</a:t>
+            </a:r>
+          </a:p>
+          <a:p>
+            <a:pPr lvl="2"/>
+            <a:r>
+              <a:rPr lang="en-US"/>
+              <a:t>Third level</a:t>
+            </a:r>
+          </a:p>
+          <a:p>
+            <a:pPr lvl="3"/>
+            <a:r>
+              <a:rPr lang="en-US"/>
+              <a:t>Fourth level</a:t>
+            </a:r>
+          </a:p>
+          <a:p>
+            <a:pPr lvl="4"/>
+            <a:r>
+              <a:rPr lang="en-US"/>
+              <a:t>Fifth level</a:t>
+            </a:r>
+          </a:p>
+        </p:txBody>
+      </p:sp>
+      <p:sp>
+        <p:nvSpPr>
+          <p:cNvPr id="6" name="Footer Placeholder 5"/>
+          <p:cNvSpPr>
+            <a:spLocks noGrp="1"/>
+          </p:cNvSpPr>
+          <p:nvPr>
+            <p:ph type="ftr" sz="quarter" idx="4"/>
+          </p:nvPr>
+        </p:nvSpPr>
+        <p:spPr>
+          <a:xfrm>
+            <a:off x="0" y="8685213"/>
+            <a:ext cx="2971800" cy="458787"/>
+          </a:xfrm>
+          <a:prstGeom prst="rect">
+            <a:avLst/>
+          </a:prstGeom>
+        </p:spPr>
+        <p:txBody>
+          <a:bodyPr vert="horz" lIns="91440" tIns="45720" rIns="91440" bIns="45720" rtlCol="0" anchor="b"/>
+          <a:lstStyle>
+            <a:lvl1pPr algn="l">
+              <a:defRPr sz="1200"/>
+            </a:lvl1pPr>
+          </a:lstStyle>
+          <a:p>
+            <a:endParaRPr lang="en-US"/>
+          </a:p>
+        </p:txBody>
+      </p:sp>
+      <p:sp>
+        <p:nvSpPr>
+          <p:cNvPr id="7" name="Slide Number Placeholder 6"/>
+          <p:cNvSpPr>
+            <a:spLocks noGrp="1"/>
+          </p:cNvSpPr>
+          <p:nvPr>
+            <p:ph type="sldNum" sz="quarter" idx="5"/>
+          </p:nvPr>
+        </p:nvSpPr>
+        <p:spPr>
+          <a:xfrm>
+            <a:off x="3884613" y="8685213"/>
+            <a:ext cx="2971800" cy="458787"/>
+          </a:xfrm>
+          <a:prstGeom prst="rect">
+            <a:avLst/>
+          </a:prstGeom>
+        </p:spPr>
+        <p:txBody>
+          <a:bodyPr vert="horz" lIns="91440" tIns="45720" rIns="91440" bIns="45720" rtlCol="0" anchor="b"/>
+          <a:lstStyle>
+            <a:lvl1pPr algn="r">
+              <a:defRPr sz="1200"/>
+            </a:lvl1pPr>
+          </a:lstStyle>
+          <a:p>
+            <a:fld id="{07BA5371-0DD4-8B4C-BD66-E4AE87A7715B}" type="slidenum">
+              <a:rPr lang="en-US" smtClean="0"/>
+              <a:t>‹#›</a:t>
+            </a:fld>
+            <a:endParaRPr lang="en-US"/>
+          </a:p>
+        </p:txBody>
+      </p:sp>
+    </p:spTree>
+    <p:extLst>
+      <p:ext uri="{BB962C8B-B14F-4D97-AF65-F5344CB8AC3E}">
+        <p14:creationId xmlns:p14="http://schemas.microsoft.com/office/powerpoint/2010/main" val="1955087621"/>
+      </p:ext>
+    </p:extLst>
+  </p:cSld>
+  <p:clrMap bg1="lt1" tx1="dk1" bg2="lt2" tx2="dk2" accent1="accent1" accent2="accent2" accent3="accent3" accent4="accent4" accent5="accent5" accent6="accent6" hlink="hlink" folHlink="folHlink"/>
+  <p:notesStyle>
+    <a:lvl1pPr marL="0" algn="l" defTabSz="914400" rtl="0" eaLnBrk="1" latinLnBrk="0" hangingPunct="1">
+      <a:defRPr sz="1200" kern="1200">
+        <a:solidFill>
+          <a:schemeClr val="tx1"/>
+        </a:solidFill>
+        <a:latin typeface="+mn-lt"/>
+        <a:ea typeface="+mn-ea"/>
+        <a:cs typeface="+mn-cs"/>
+      </a:defRPr>
+    </a:lvl1pPr>
+    <a:lvl2pPr marL="457200" algn="l" defTabSz="914400" rtl="0" eaLnBrk="1" latinLnBrk="0" hangingPunct="1">
+      <a:defRPr sz="1200" kern="1200">
+        <a:solidFill>
+          <a:schemeClr val="tx1"/>
+        </a:solidFill>
+        <a:latin typeface="+mn-lt"/>
+        <a:ea typeface="+mn-ea"/>
+        <a:cs typeface="+mn-cs"/>
+      </a:defRPr>
+    </a:lvl2pPr>
+    <a:lvl3pPr marL="914400" algn="l" defTabSz="914400" rtl="0" eaLnBrk="1" latinLnBrk="0" hangingPunct="1">
+      <a:defRPr sz="1200" kern="1200">
+        <a:solidFill>
+          <a:schemeClr val="tx1"/>
+        </a:solidFill>
+        <a:latin typeface="+mn-lt"/>
+        <a:ea typeface="+mn-ea"/>
+        <a:cs typeface="+mn-cs"/>
+      </a:defRPr>
+    </a:lvl3pPr>
+    <a:lvl4pPr marL="1371600" algn="l" defTabSz="914400" rtl="0" eaLnBrk="1" latinLnBrk="0" hangingPunct="1">
+      <a:defRPr sz="1200" kern="1200">
+        <a:solidFill>
+          <a:schemeClr val="tx1"/>
+        </a:solidFill>
+        <a:latin typeface="+mn-lt"/>
+        <a:ea typeface="+mn-ea"/>
+        <a:cs typeface="+mn-cs"/>
+      </a:defRPr>
+    </a:lvl4pPr>
+    <a:lvl5pPr marL="1828800" algn="l" defTabSz="914400" rtl="0" eaLnBrk="1" latinLnBrk="0" hangingPunct="1">
+      <a:defRPr sz="1200" kern="1200">
+        <a:solidFill>
+          <a:schemeClr val="tx1"/>
+        </a:solidFill>
+        <a:latin typeface="+mn-lt"/>
+        <a:ea typeface="+mn-ea"/>
+        <a:cs typeface="+mn-cs"/>
+      </a:defRPr>
+    </a:lvl5pPr>
+    <a:lvl6pPr marL="2286000" algn="l" defTabSz="914400" rtl="0" eaLnBrk="1" latinLnBrk="0" hangingPunct="1">
+      <a:defRPr sz="1200" kern="1200">
+        <a:solidFill>
+          <a:schemeClr val="tx1"/>
+        </a:solidFill>
+        <a:latin typeface="+mn-lt"/>
+        <a:ea typeface="+mn-ea"/>
+        <a:cs typeface="+mn-cs"/>
+      </a:defRPr>
+    </a:lvl6pPr>
+    <a:lvl7pPr marL="2743200" algn="l" defTabSz="914400" rtl="0" eaLnBrk="1" latinLnBrk="0" hangingPunct="1">
+      <a:defRPr sz="1200" kern="1200">
+        <a:solidFill>
+          <a:schemeClr val="tx1"/>
+        </a:solidFill>
+        <a:latin typeface="+mn-lt"/>
+        <a:ea typeface="+mn-ea"/>
+        <a:cs typeface="+mn-cs"/>
+      </a:defRPr>
+    </a:lvl7pPr>
+    <a:lvl8pPr marL="3200400" algn="l" defTabSz="914400" rtl="0" eaLnBrk="1" latinLnBrk="0" hangingPunct="1">
+      <a:defRPr sz="1200" kern="1200">
+        <a:solidFill>
+          <a:schemeClr val="tx1"/>
+        </a:solidFill>
+        <a:latin typeface="+mn-lt"/>
+        <a:ea typeface="+mn-ea"/>
+        <a:cs typeface="+mn-cs"/>
+      </a:defRPr>
+    </a:lvl8pPr>
+    <a:lvl9pPr marL="3657600" algn="l" defTabSz="914400" rtl="0" eaLnBrk="1" latinLnBrk="0" hangingPunct="1">
+      <a:defRPr sz="1200" kern="1200">
+        <a:solidFill>
+          <a:schemeClr val="tx1"/>
+        </a:solidFill>
+        <a:latin typeface="+mn-lt"/>
+        <a:ea typeface="+mn-ea"/>
+        <a:cs typeface="+mn-cs"/>
+      </a:defRPr>
+    </a:lvl9pPr>
+  </p:notesStyle>
+</p:notesMaster>
+</file>
+
+<file path=ppt/notesSlides/notesSlide1.xml><?xml version="1.0" encoding="utf-8"?>
+<p:notes xmlns:a="http://schemas.openxmlformats.org/drawingml/2006/main" xmlns:r="http://schemas.openxmlformats.org/officeDocument/2006/relationships" xmlns:p="http://schemas.openxmlformats.org/presentationml/2006/main">
+  <p:cSld>
+    <p:spTree>
+      <p:nvGrpSpPr>
+        <p:cNvPr id="1" name=""/>
+        <p:cNvGrpSpPr/>
+        <p:nvPr/>
+      </p:nvGrpSpPr>
+      <p:grpSpPr>
+        <a:xfrm>
+          <a:off x="0" y="0"/>
+          <a:ext cx="0" cy="0"/>
+          <a:chOff x="0" y="0"/>
+          <a:chExt cx="0" cy="0"/>
+        </a:xfrm>
+      </p:grpSpPr>
+      <p:sp>
+        <p:nvSpPr>
+          <p:cNvPr id="2" name="Slide Image Placeholder 1"/>
+          <p:cNvSpPr>
+            <a:spLocks noGrp="1" noRot="1" noChangeAspect="1"/>
+          </p:cNvSpPr>
+          <p:nvPr>
+            <p:ph type="sldImg"/>
+          </p:nvPr>
+        </p:nvSpPr>
+        <p:spPr/>
+      </p:sp>
+      <p:sp>
+        <p:nvSpPr>
+          <p:cNvPr id="3" name="Notes Placeholder 2"/>
+          <p:cNvSpPr>
+            <a:spLocks noGrp="1"/>
+          </p:cNvSpPr>
+          <p:nvPr>
+            <p:ph type="body" idx="1"/>
+          </p:nvPr>
+        </p:nvSpPr>
+        <p:spPr/>
+        <p:txBody>
+          <a:bodyPr/>
+          <a:lstStyle/>
+          <a:p>
+            <a:endParaRPr lang="en-US" dirty="0"/>
+          </a:p>
+        </p:txBody>
+      </p:sp>
+      <p:sp>
+        <p:nvSpPr>
+          <p:cNvPr id="4" name="Slide Number Placeholder 3"/>
+          <p:cNvSpPr>
+            <a:spLocks noGrp="1"/>
+          </p:cNvSpPr>
+          <p:nvPr>
+            <p:ph type="sldNum" sz="quarter" idx="5"/>
+          </p:nvPr>
+        </p:nvSpPr>
+        <p:spPr/>
+        <p:txBody>
+          <a:bodyPr/>
+          <a:lstStyle/>
+          <a:p>
+            <a:fld id="{07BA5371-0DD4-8B4C-BD66-E4AE87A7715B}" type="slidenum">
+              <a:rPr lang="en-US" smtClean="0"/>
+              <a:t>1</a:t>
+            </a:fld>
+            <a:endParaRPr lang="en-US"/>
+          </a:p>
+        </p:txBody>
+      </p:sp>
+    </p:spTree>
+    <p:extLst>
+      <p:ext uri="{BB962C8B-B14F-4D97-AF65-F5344CB8AC3E}">
+        <p14:creationId xmlns:p14="http://schemas.microsoft.com/office/powerpoint/2010/main" val="1392321953"/>
+      </p:ext>
+    </p:extLst>
+  </p:cSld>
+  <p:clrMapOvr>
+    <a:masterClrMapping/>
+  </p:clrMapOvr>
+</p:notes>
+</file>
+
 <file path=ppt/slideLayouts/slideLayout1.xml><?xml version="1.0" encoding="utf-8"?>
 <p:sldLayout xmlns:a="http://schemas.openxmlformats.org/drawingml/2006/main" xmlns:r="http://schemas.openxmlformats.org/officeDocument/2006/relationships" xmlns:p="http://schemas.openxmlformats.org/presentationml/2006/main" type="title" preserve="1">
   <p:cSld name="Title Slide">
@@ -259,7 +695,7 @@
           <a:p>
             <a:fld id="{5E5DD6A7-C01F-874D-8F0A-96B42F5316C1}" type="datetimeFigureOut">
               <a:rPr lang="en-US" smtClean="0"/>
-              <a:t>1/29/23</a:t>
+              <a:t>2/22/23</a:t>
             </a:fld>
             <a:endParaRPr lang="en-US"/>
           </a:p>
@@ -457,7 +893,7 @@
           <a:p>
             <a:fld id="{5E5DD6A7-C01F-874D-8F0A-96B42F5316C1}" type="datetimeFigureOut">
               <a:rPr lang="en-US" smtClean="0"/>
-              <a:t>1/29/23</a:t>
+              <a:t>2/22/23</a:t>
             </a:fld>
             <a:endParaRPr lang="en-US"/>
           </a:p>
@@ -665,7 +1101,7 @@
           <a:p>
             <a:fld id="{5E5DD6A7-C01F-874D-8F0A-96B42F5316C1}" type="datetimeFigureOut">
               <a:rPr lang="en-US" smtClean="0"/>
-              <a:t>1/29/23</a:t>
+              <a:t>2/22/23</a:t>
             </a:fld>
             <a:endParaRPr lang="en-US"/>
           </a:p>
@@ -863,7 +1299,7 @@
           <a:p>
             <a:fld id="{5E5DD6A7-C01F-874D-8F0A-96B42F5316C1}" type="datetimeFigureOut">
               <a:rPr lang="en-US" smtClean="0"/>
-              <a:t>1/29/23</a:t>
+              <a:t>2/22/23</a:t>
             </a:fld>
             <a:endParaRPr lang="en-US"/>
           </a:p>
@@ -1138,7 +1574,7 @@
           <a:p>
             <a:fld id="{5E5DD6A7-C01F-874D-8F0A-96B42F5316C1}" type="datetimeFigureOut">
               <a:rPr lang="en-US" smtClean="0"/>
-              <a:t>1/29/23</a:t>
+              <a:t>2/22/23</a:t>
             </a:fld>
             <a:endParaRPr lang="en-US"/>
           </a:p>
@@ -1403,7 +1839,7 @@
           <a:p>
             <a:fld id="{5E5DD6A7-C01F-874D-8F0A-96B42F5316C1}" type="datetimeFigureOut">
               <a:rPr lang="en-US" smtClean="0"/>
-              <a:t>1/29/23</a:t>
+              <a:t>2/22/23</a:t>
             </a:fld>
             <a:endParaRPr lang="en-US"/>
           </a:p>
@@ -1815,7 +2251,7 @@
           <a:p>
             <a:fld id="{5E5DD6A7-C01F-874D-8F0A-96B42F5316C1}" type="datetimeFigureOut">
               <a:rPr lang="en-US" smtClean="0"/>
-              <a:t>1/29/23</a:t>
+              <a:t>2/22/23</a:t>
             </a:fld>
             <a:endParaRPr lang="en-US"/>
           </a:p>
@@ -1956,7 +2392,7 @@
           <a:p>
             <a:fld id="{5E5DD6A7-C01F-874D-8F0A-96B42F5316C1}" type="datetimeFigureOut">
               <a:rPr lang="en-US" smtClean="0"/>
-              <a:t>1/29/23</a:t>
+              <a:t>2/22/23</a:t>
             </a:fld>
             <a:endParaRPr lang="en-US"/>
           </a:p>
@@ -2069,7 +2505,7 @@
           <a:p>
             <a:fld id="{5E5DD6A7-C01F-874D-8F0A-96B42F5316C1}" type="datetimeFigureOut">
               <a:rPr lang="en-US" smtClean="0"/>
-              <a:t>1/29/23</a:t>
+              <a:t>2/22/23</a:t>
             </a:fld>
             <a:endParaRPr lang="en-US"/>
           </a:p>
@@ -2380,7 +2816,7 @@
           <a:p>
             <a:fld id="{5E5DD6A7-C01F-874D-8F0A-96B42F5316C1}" type="datetimeFigureOut">
               <a:rPr lang="en-US" smtClean="0"/>
-              <a:t>1/29/23</a:t>
+              <a:t>2/22/23</a:t>
             </a:fld>
             <a:endParaRPr lang="en-US"/>
           </a:p>
@@ -2668,7 +3104,7 @@
           <a:p>
             <a:fld id="{5E5DD6A7-C01F-874D-8F0A-96B42F5316C1}" type="datetimeFigureOut">
               <a:rPr lang="en-US" smtClean="0"/>
-              <a:t>1/29/23</a:t>
+              <a:t>2/22/23</a:t>
             </a:fld>
             <a:endParaRPr lang="en-US"/>
           </a:p>
@@ -2909,7 +3345,7 @@
           <a:p>
             <a:fld id="{5E5DD6A7-C01F-874D-8F0A-96B42F5316C1}" type="datetimeFigureOut">
               <a:rPr lang="en-US" smtClean="0"/>
-              <a:t>1/29/23</a:t>
+              <a:t>2/22/23</a:t>
             </a:fld>
             <a:endParaRPr lang="en-US"/>
           </a:p>
@@ -3326,6 +3762,36 @@
           <a:chExt cx="0" cy="0"/>
         </a:xfrm>
       </p:grpSpPr>
+      <p:pic>
+        <p:nvPicPr>
+          <p:cNvPr id="16" name="Picture 15" descr="Table&#10;&#10;Description automatically generated">
+            <a:extLst>
+              <a:ext uri="{FF2B5EF4-FFF2-40B4-BE49-F238E27FC236}">
+                <a16:creationId xmlns:a16="http://schemas.microsoft.com/office/drawing/2014/main" id="{7ECD14A2-26B6-7552-773C-8839B256113D}"/>
+              </a:ext>
+            </a:extLst>
+          </p:cNvPr>
+          <p:cNvPicPr>
+            <a:picLocks noChangeAspect="1"/>
+          </p:cNvPicPr>
+          <p:nvPr/>
+        </p:nvPicPr>
+        <p:blipFill>
+          <a:blip r:embed="rId3"/>
+          <a:stretch>
+            <a:fillRect/>
+          </a:stretch>
+        </p:blipFill>
+        <p:spPr>
+          <a:xfrm>
+            <a:off x="4887093" y="2456296"/>
+            <a:ext cx="6921931" cy="3968353"/>
+          </a:xfrm>
+          <a:prstGeom prst="rect">
+            <a:avLst/>
+          </a:prstGeom>
+        </p:spPr>
+      </p:pic>
       <p:sp>
         <p:nvSpPr>
           <p:cNvPr id="13" name="Rectangle 12">
@@ -3340,7 +3806,7 @@
         </p:nvSpPr>
         <p:spPr>
           <a:xfrm>
-            <a:off x="2360140" y="2680139"/>
+            <a:off x="1644334" y="2560511"/>
             <a:ext cx="2458995" cy="3864138"/>
           </a:xfrm>
           <a:prstGeom prst="rect">
@@ -3433,7 +3899,7 @@
           <p:nvPr/>
         </p:nvPicPr>
         <p:blipFill>
-          <a:blip r:embed="rId2"/>
+          <a:blip r:embed="rId4"/>
           <a:stretch>
             <a:fillRect/>
           </a:stretch>
@@ -3448,36 +3914,6 @@
           </a:prstGeom>
         </p:spPr>
       </p:pic>
-      <p:pic>
-        <p:nvPicPr>
-          <p:cNvPr id="7" name="Picture 6" descr="Table&#10;&#10;Description automatically generated">
-            <a:extLst>
-              <a:ext uri="{FF2B5EF4-FFF2-40B4-BE49-F238E27FC236}">
-                <a16:creationId xmlns:a16="http://schemas.microsoft.com/office/drawing/2014/main" id="{664ADBA3-4EA7-4BEC-341D-AF0CC0C165A9}"/>
-              </a:ext>
-            </a:extLst>
-          </p:cNvPr>
-          <p:cNvPicPr>
-            <a:picLocks noChangeAspect="1"/>
-          </p:cNvPicPr>
-          <p:nvPr/>
-        </p:nvPicPr>
-        <p:blipFill>
-          <a:blip r:embed="rId3"/>
-          <a:stretch>
-            <a:fillRect/>
-          </a:stretch>
-        </p:blipFill>
-        <p:spPr>
-          <a:xfrm>
-            <a:off x="5523469" y="2255161"/>
-            <a:ext cx="6466441" cy="4441443"/>
-          </a:xfrm>
-          <a:prstGeom prst="rect">
-            <a:avLst/>
-          </a:prstGeom>
-        </p:spPr>
-      </p:pic>
       <p:sp>
         <p:nvSpPr>
           <p:cNvPr id="8" name="Oval 7">
@@ -3491,9 +3927,9 @@
           <p:nvPr/>
         </p:nvSpPr>
         <p:spPr>
-          <a:xfrm>
-            <a:off x="3744097" y="1779373"/>
-            <a:ext cx="1309817" cy="549417"/>
+          <a:xfrm rot="16200000">
+            <a:off x="2951607" y="581169"/>
+            <a:ext cx="777970" cy="498092"/>
           </a:xfrm>
           <a:prstGeom prst="ellipse">
             <a:avLst/>
@@ -3544,8 +3980,8 @@
         </p:nvSpPr>
         <p:spPr>
           <a:xfrm>
-            <a:off x="4819136" y="3416348"/>
-            <a:ext cx="741404" cy="628315"/>
+            <a:off x="4138476" y="5598649"/>
+            <a:ext cx="741404" cy="288939"/>
           </a:xfrm>
           <a:prstGeom prst="rightArrow">
             <a:avLst/>
@@ -3590,8 +4026,8 @@
         </p:nvSpPr>
         <p:spPr>
           <a:xfrm rot="10800000">
-            <a:off x="4819136" y="5854175"/>
-            <a:ext cx="741404" cy="628315"/>
+            <a:off x="4124508" y="5340175"/>
+            <a:ext cx="741404" cy="294290"/>
           </a:xfrm>
           <a:prstGeom prst="rightArrow">
             <a:avLst/>
@@ -3624,10 +4060,10 @@
       </p:sp>
       <p:sp>
         <p:nvSpPr>
-          <p:cNvPr id="11" name="Oval 10">
-            <a:extLst>
-              <a:ext uri="{FF2B5EF4-FFF2-40B4-BE49-F238E27FC236}">
-                <a16:creationId xmlns:a16="http://schemas.microsoft.com/office/drawing/2014/main" id="{347FF707-D611-06E0-553D-77987E50E752}"/>
+          <p:cNvPr id="12" name="Oval 11">
+            <a:extLst>
+              <a:ext uri="{FF2B5EF4-FFF2-40B4-BE49-F238E27FC236}">
+                <a16:creationId xmlns:a16="http://schemas.microsoft.com/office/drawing/2014/main" id="{21140309-6294-C588-270E-0025951A7F5C}"/>
               </a:ext>
             </a:extLst>
           </p:cNvPr>
@@ -3636,8 +4072,8 @@
         </p:nvSpPr>
         <p:spPr>
           <a:xfrm>
-            <a:off x="5329879" y="3532992"/>
-            <a:ext cx="1532241" cy="372327"/>
+            <a:off x="4746756" y="5294796"/>
+            <a:ext cx="1532241" cy="668994"/>
           </a:xfrm>
           <a:prstGeom prst="ellipse">
             <a:avLst/>
@@ -3676,71 +4112,19 @@
       </p:sp>
       <p:sp>
         <p:nvSpPr>
-          <p:cNvPr id="12" name="Oval 11">
-            <a:extLst>
-              <a:ext uri="{FF2B5EF4-FFF2-40B4-BE49-F238E27FC236}">
-                <a16:creationId xmlns:a16="http://schemas.microsoft.com/office/drawing/2014/main" id="{21140309-6294-C588-270E-0025951A7F5C}"/>
-              </a:ext>
-            </a:extLst>
-          </p:cNvPr>
-          <p:cNvSpPr/>
+          <p:cNvPr id="14" name="TextBox 13">
+            <a:extLst>
+              <a:ext uri="{FF2B5EF4-FFF2-40B4-BE49-F238E27FC236}">
+                <a16:creationId xmlns:a16="http://schemas.microsoft.com/office/drawing/2014/main" id="{25159E6A-A319-D8FA-1AAB-21BE02508A14}"/>
+              </a:ext>
+            </a:extLst>
+          </p:cNvPr>
+          <p:cNvSpPr txBox="1"/>
           <p:nvPr/>
         </p:nvSpPr>
         <p:spPr>
           <a:xfrm>
-            <a:off x="5354590" y="5953033"/>
-            <a:ext cx="1532241" cy="372327"/>
-          </a:xfrm>
-          <a:prstGeom prst="ellipse">
-            <a:avLst/>
-          </a:prstGeom>
-          <a:noFill/>
-          <a:ln w="22225">
-            <a:solidFill>
-              <a:srgbClr val="92D050"/>
-            </a:solidFill>
-          </a:ln>
-        </p:spPr>
-        <p:style>
-          <a:lnRef idx="2">
-            <a:schemeClr val="accent1">
-              <a:shade val="50000"/>
-            </a:schemeClr>
-          </a:lnRef>
-          <a:fillRef idx="1">
-            <a:schemeClr val="accent1"/>
-          </a:fillRef>
-          <a:effectRef idx="0">
-            <a:schemeClr val="accent1"/>
-          </a:effectRef>
-          <a:fontRef idx="minor">
-            <a:schemeClr val="lt1"/>
-          </a:fontRef>
-        </p:style>
-        <p:txBody>
-          <a:bodyPr rtlCol="0" anchor="ctr"/>
-          <a:lstStyle/>
-          <a:p>
-            <a:pPr algn="ctr"/>
-            <a:endParaRPr lang="en-US"/>
-          </a:p>
-        </p:txBody>
-      </p:sp>
-      <p:sp>
-        <p:nvSpPr>
-          <p:cNvPr id="14" name="TextBox 13">
-            <a:extLst>
-              <a:ext uri="{FF2B5EF4-FFF2-40B4-BE49-F238E27FC236}">
-                <a16:creationId xmlns:a16="http://schemas.microsoft.com/office/drawing/2014/main" id="{25159E6A-A319-D8FA-1AAB-21BE02508A14}"/>
-              </a:ext>
-            </a:extLst>
-          </p:cNvPr>
-          <p:cNvSpPr txBox="1"/>
-          <p:nvPr/>
-        </p:nvSpPr>
-        <p:spPr>
-          <a:xfrm>
-            <a:off x="4289856" y="3545839"/>
+            <a:off x="3607586" y="5594458"/>
             <a:ext cx="527220" cy="369332"/>
           </a:xfrm>
           <a:prstGeom prst="rect">
@@ -3776,7 +4160,7 @@
         </p:nvSpPr>
         <p:spPr>
           <a:xfrm>
-            <a:off x="4302211" y="5983667"/>
+            <a:off x="3607586" y="5297791"/>
             <a:ext cx="527220" cy="369332"/>
           </a:xfrm>
           <a:prstGeom prst="rect">
@@ -3812,7 +4196,7 @@
         </p:nvSpPr>
         <p:spPr>
           <a:xfrm>
-            <a:off x="4829431" y="2867458"/>
+            <a:off x="4124508" y="4305368"/>
             <a:ext cx="741404" cy="294290"/>
           </a:xfrm>
           <a:prstGeom prst="leftRightArrow">
@@ -3858,7 +4242,7 @@
         </p:nvSpPr>
         <p:spPr>
           <a:xfrm>
-            <a:off x="4209465" y="2816167"/>
+            <a:off x="3541840" y="4244298"/>
             <a:ext cx="619966" cy="369332"/>
           </a:xfrm>
           <a:prstGeom prst="rect">
@@ -3894,7 +4278,7 @@
         </p:nvSpPr>
         <p:spPr>
           <a:xfrm>
-            <a:off x="5513173" y="2892635"/>
+            <a:off x="4817630" y="4324128"/>
             <a:ext cx="1390491" cy="256770"/>
           </a:xfrm>
           <a:prstGeom prst="ellipse">
@@ -4238,4 +4622,299 @@
     </a:ext>
   </a:extLst>
 </a:theme>
+</file>
+
+<file path=ppt/theme/theme2.xml><?xml version="1.0" encoding="utf-8"?>
+<a:theme xmlns:a="http://schemas.openxmlformats.org/drawingml/2006/main" name="Office Theme">
+  <a:themeElements>
+    <a:clrScheme name="Office">
+      <a:dk1>
+        <a:sysClr val="windowText" lastClr="000000"/>
+      </a:dk1>
+      <a:lt1>
+        <a:sysClr val="window" lastClr="FFFFFF"/>
+      </a:lt1>
+      <a:dk2>
+        <a:srgbClr val="44546A"/>
+      </a:dk2>
+      <a:lt2>
+        <a:srgbClr val="E7E6E6"/>
+      </a:lt2>
+      <a:accent1>
+        <a:srgbClr val="4472C4"/>
+      </a:accent1>
+      <a:accent2>
+        <a:srgbClr val="ED7D31"/>
+      </a:accent2>
+      <a:accent3>
+        <a:srgbClr val="A5A5A5"/>
+      </a:accent3>
+      <a:accent4>
+        <a:srgbClr val="FFC000"/>
+      </a:accent4>
+      <a:accent5>
+        <a:srgbClr val="5B9BD5"/>
+      </a:accent5>
+      <a:accent6>
+        <a:srgbClr val="70AD47"/>
+      </a:accent6>
+      <a:hlink>
+        <a:srgbClr val="0563C1"/>
+      </a:hlink>
+      <a:folHlink>
+        <a:srgbClr val="954F72"/>
+      </a:folHlink>
+    </a:clrScheme>
+    <a:fontScheme name="Office">
+      <a:majorFont>
+        <a:latin typeface="Calibri Light" panose="020F0302020204030204"/>
+        <a:ea typeface=""/>
+        <a:cs typeface=""/>
+        <a:font script="Jpan" typeface="游ゴシック Light"/>
+        <a:font script="Hang" typeface="맑은 고딕"/>
+        <a:font script="Hans" typeface="等线 Light"/>
+        <a:font script="Hant" typeface="新細明體"/>
+        <a:font script="Arab" typeface="Times New Roman"/>
+        <a:font script="Hebr" typeface="Times New Roman"/>
+        <a:font script="Thai" typeface="Angsana New"/>
+        <a:font script="Ethi" typeface="Nyala"/>
+        <a:font script="Beng" typeface="Vrinda"/>
+        <a:font script="Gujr" typeface="Shruti"/>
+        <a:font script="Khmr" typeface="MoolBoran"/>
+        <a:font script="Knda" typeface="Tunga"/>
+        <a:font script="Guru" typeface="Raavi"/>
+        <a:font script="Cans" typeface="Euphemia"/>
+        <a:font script="Cher" typeface="Plantagenet Cherokee"/>
+        <a:font script="Yiii" typeface="Microsoft Yi Baiti"/>
+        <a:font script="Tibt" typeface="Microsoft Himalaya"/>
+        <a:font script="Thaa" typeface="MV Boli"/>
+        <a:font script="Deva" typeface="Mangal"/>
+        <a:font script="Telu" typeface="Gautami"/>
+        <a:font script="Taml" typeface="Latha"/>
+        <a:font script="Syrc" typeface="Estrangelo Edessa"/>
+        <a:font script="Orya" typeface="Kalinga"/>
+        <a:font script="Mlym" typeface="Kartika"/>
+        <a:font script="Laoo" typeface="DokChampa"/>
+        <a:font script="Sinh" typeface="Iskoola Pota"/>
+        <a:font script="Mong" typeface="Mongolian Baiti"/>
+        <a:font script="Viet" typeface="Times New Roman"/>
+        <a:font script="Uigh" typeface="Microsoft Uighur"/>
+        <a:font script="Geor" typeface="Sylfaen"/>
+        <a:font script="Armn" typeface="Arial"/>
+        <a:font script="Bugi" typeface="Leelawadee UI"/>
+        <a:font script="Bopo" typeface="Microsoft JhengHei"/>
+        <a:font script="Java" typeface="Javanese Text"/>
+        <a:font script="Lisu" typeface="Segoe UI"/>
+        <a:font script="Mymr" typeface="Myanmar Text"/>
+        <a:font script="Nkoo" typeface="Ebrima"/>
+        <a:font script="Olck" typeface="Nirmala UI"/>
+        <a:font script="Osma" typeface="Ebrima"/>
+        <a:font script="Phag" typeface="Phagspa"/>
+        <a:font script="Syrn" typeface="Estrangelo Edessa"/>
+        <a:font script="Syrj" typeface="Estrangelo Edessa"/>
+        <a:font script="Syre" typeface="Estrangelo Edessa"/>
+        <a:font script="Sora" typeface="Nirmala UI"/>
+        <a:font script="Tale" typeface="Microsoft Tai Le"/>
+        <a:font script="Talu" typeface="Microsoft New Tai Lue"/>
+        <a:font script="Tfng" typeface="Ebrima"/>
+      </a:majorFont>
+      <a:minorFont>
+        <a:latin typeface="Calibri" panose="020F0502020204030204"/>
+        <a:ea typeface=""/>
+        <a:cs typeface=""/>
+        <a:font script="Jpan" typeface="游ゴシック"/>
+        <a:font script="Hang" typeface="맑은 고딕"/>
+        <a:font script="Hans" typeface="等线"/>
+        <a:font script="Hant" typeface="新細明體"/>
+        <a:font script="Arab" typeface="Arial"/>
+        <a:font script="Hebr" typeface="Arial"/>
+        <a:font script="Thai" typeface="Cordia New"/>
+        <a:font script="Ethi" typeface="Nyala"/>
+        <a:font script="Beng" typeface="Vrinda"/>
+        <a:font script="Gujr" typeface="Shruti"/>
+        <a:font script="Khmr" typeface="DaunPenh"/>
+        <a:font script="Knda" typeface="Tunga"/>
+        <a:font script="Guru" typeface="Raavi"/>
+        <a:font script="Cans" typeface="Euphemia"/>
+        <a:font script="Cher" typeface="Plantagenet Cherokee"/>
+        <a:font script="Yiii" typeface="Microsoft Yi Baiti"/>
+        <a:font script="Tibt" typeface="Microsoft Himalaya"/>
+        <a:font script="Thaa" typeface="MV Boli"/>
+        <a:font script="Deva" typeface="Mangal"/>
+        <a:font script="Telu" typeface="Gautami"/>
+        <a:font script="Taml" typeface="Latha"/>
+        <a:font script="Syrc" typeface="Estrangelo Edessa"/>
+        <a:font script="Orya" typeface="Kalinga"/>
+        <a:font script="Mlym" typeface="Kartika"/>
+        <a:font script="Laoo" typeface="DokChampa"/>
+        <a:font script="Sinh" typeface="Iskoola Pota"/>
+        <a:font script="Mong" typeface="Mongolian Baiti"/>
+        <a:font script="Viet" typeface="Arial"/>
+        <a:font script="Uigh" typeface="Microsoft Uighur"/>
+        <a:font script="Geor" typeface="Sylfaen"/>
+        <a:font script="Armn" typeface="Arial"/>
+        <a:font script="Bugi" typeface="Leelawadee UI"/>
+        <a:font script="Bopo" typeface="Microsoft JhengHei"/>
+        <a:font script="Java" typeface="Javanese Text"/>
+        <a:font script="Lisu" typeface="Segoe UI"/>
+        <a:font script="Mymr" typeface="Myanmar Text"/>
+        <a:font script="Nkoo" typeface="Ebrima"/>
+        <a:font script="Olck" typeface="Nirmala UI"/>
+        <a:font script="Osma" typeface="Ebrima"/>
+        <a:font script="Phag" typeface="Phagspa"/>
+        <a:font script="Syrn" typeface="Estrangelo Edessa"/>
+        <a:font script="Syrj" typeface="Estrangelo Edessa"/>
+        <a:font script="Syre" typeface="Estrangelo Edessa"/>
+        <a:font script="Sora" typeface="Nirmala UI"/>
+        <a:font script="Tale" typeface="Microsoft Tai Le"/>
+        <a:font script="Talu" typeface="Microsoft New Tai Lue"/>
+        <a:font script="Tfng" typeface="Ebrima"/>
+      </a:minorFont>
+    </a:fontScheme>
+    <a:fmtScheme name="Office">
+      <a:fillStyleLst>
+        <a:solidFill>
+          <a:schemeClr val="phClr"/>
+        </a:solidFill>
+        <a:gradFill rotWithShape="1">
+          <a:gsLst>
+            <a:gs pos="0">
+              <a:schemeClr val="phClr">
+                <a:lumMod val="110000"/>
+                <a:satMod val="105000"/>
+                <a:tint val="67000"/>
+              </a:schemeClr>
+            </a:gs>
+            <a:gs pos="50000">
+              <a:schemeClr val="phClr">
+                <a:lumMod val="105000"/>
+                <a:satMod val="103000"/>
+                <a:tint val="73000"/>
+              </a:schemeClr>
+            </a:gs>
+            <a:gs pos="100000">
+              <a:schemeClr val="phClr">
+                <a:lumMod val="105000"/>
+                <a:satMod val="109000"/>
+                <a:tint val="81000"/>
+              </a:schemeClr>
+            </a:gs>
+          </a:gsLst>
+          <a:lin ang="5400000" scaled="0"/>
+        </a:gradFill>
+        <a:gradFill rotWithShape="1">
+          <a:gsLst>
+            <a:gs pos="0">
+              <a:schemeClr val="phClr">
+                <a:satMod val="103000"/>
+                <a:lumMod val="102000"/>
+                <a:tint val="94000"/>
+              </a:schemeClr>
+            </a:gs>
+            <a:gs pos="50000">
+              <a:schemeClr val="phClr">
+                <a:satMod val="110000"/>
+                <a:lumMod val="100000"/>
+                <a:shade val="100000"/>
+              </a:schemeClr>
+            </a:gs>
+            <a:gs pos="100000">
+              <a:schemeClr val="phClr">
+                <a:lumMod val="99000"/>
+                <a:satMod val="120000"/>
+                <a:shade val="78000"/>
+              </a:schemeClr>
+            </a:gs>
+          </a:gsLst>
+          <a:lin ang="5400000" scaled="0"/>
+        </a:gradFill>
+      </a:fillStyleLst>
+      <a:lnStyleLst>
+        <a:ln w="6350" cap="flat" cmpd="sng" algn="ctr">
+          <a:solidFill>
+            <a:schemeClr val="phClr"/>
+          </a:solidFill>
+          <a:prstDash val="solid"/>
+          <a:miter lim="800000"/>
+        </a:ln>
+        <a:ln w="12700" cap="flat" cmpd="sng" algn="ctr">
+          <a:solidFill>
+            <a:schemeClr val="phClr"/>
+          </a:solidFill>
+          <a:prstDash val="solid"/>
+          <a:miter lim="800000"/>
+        </a:ln>
+        <a:ln w="19050" cap="flat" cmpd="sng" algn="ctr">
+          <a:solidFill>
+            <a:schemeClr val="phClr"/>
+          </a:solidFill>
+          <a:prstDash val="solid"/>
+          <a:miter lim="800000"/>
+        </a:ln>
+      </a:lnStyleLst>
+      <a:effectStyleLst>
+        <a:effectStyle>
+          <a:effectLst/>
+        </a:effectStyle>
+        <a:effectStyle>
+          <a:effectLst/>
+        </a:effectStyle>
+        <a:effectStyle>
+          <a:effectLst>
+            <a:outerShdw blurRad="57150" dist="19050" dir="5400000" algn="ctr" rotWithShape="0">
+              <a:srgbClr val="000000">
+                <a:alpha val="63000"/>
+              </a:srgbClr>
+            </a:outerShdw>
+          </a:effectLst>
+        </a:effectStyle>
+      </a:effectStyleLst>
+      <a:bgFillStyleLst>
+        <a:solidFill>
+          <a:schemeClr val="phClr"/>
+        </a:solidFill>
+        <a:solidFill>
+          <a:schemeClr val="phClr">
+            <a:tint val="95000"/>
+            <a:satMod val="170000"/>
+          </a:schemeClr>
+        </a:solidFill>
+        <a:gradFill rotWithShape="1">
+          <a:gsLst>
+            <a:gs pos="0">
+              <a:schemeClr val="phClr">
+                <a:tint val="93000"/>
+                <a:satMod val="150000"/>
+                <a:shade val="98000"/>
+                <a:lumMod val="102000"/>
+              </a:schemeClr>
+            </a:gs>
+            <a:gs pos="50000">
+              <a:schemeClr val="phClr">
+                <a:tint val="98000"/>
+                <a:satMod val="130000"/>
+                <a:shade val="90000"/>
+                <a:lumMod val="103000"/>
+              </a:schemeClr>
+            </a:gs>
+            <a:gs pos="100000">
+              <a:schemeClr val="phClr">
+                <a:shade val="63000"/>
+                <a:satMod val="120000"/>
+              </a:schemeClr>
+            </a:gs>
+          </a:gsLst>
+          <a:lin ang="5400000" scaled="0"/>
+        </a:gradFill>
+      </a:bgFillStyleLst>
+    </a:fmtScheme>
+  </a:themeElements>
+  <a:objectDefaults/>
+  <a:extraClrSchemeLst/>
+  <a:extLst>
+    <a:ext uri="{05A4C25C-085E-4340-85A3-A5531E510DB2}">
+      <thm15:themeFamily xmlns:thm15="http://schemas.microsoft.com/office/thememl/2012/main" name="Office Theme" id="{62F939B6-93AF-4DB8-9C6B-D6C7DFDC589F}" vid="{4A3C46E8-61CC-4603-A589-7422A47A8E4A}"/>
+    </a:ext>
+  </a:extLst>
+</a:theme>
 </file>